--- a/output/presentation_test.pptx
+++ b/output/presentation_test.pptx
@@ -7,7 +7,7 @@
   <p:sldIdLst>
     <p:sldId id="256" r:id="rId7"/>
   </p:sldIdLst>
-  <p:sldSz cx="9144000" cy="6858000" type="screen4x3"/>
+  <p:sldSz cx="12188952" cy="6858000" type="screen4x3"/>
   <p:notesSz cx="6858000" cy="9144000"/>
   <p:defaultTextStyle>
     <a:defPPr>
@@ -105,143 +105,6 @@
     </a:lvl9pPr>
   </p:defaultTextStyle>
 </p:presentation>
-</file>
-
-<file path=ppt/charts/chart1.xml><?xml version="1.0" encoding="utf-8"?>
-<c:chartSpace xmlns:c="http://schemas.openxmlformats.org/drawingml/2006/chart" xmlns:a="http://schemas.openxmlformats.org/drawingml/2006/main" xmlns:r="http://schemas.openxmlformats.org/officeDocument/2006/relationships">
-  <c:date1904 val="0"/>
-  <c:chart>
-    <c:autoTitleDeleted val="0"/>
-    <c:plotArea>
-      <c:barChart>
-        <c:barDir val="col"/>
-        <c:grouping val="clustered"/>
-        <c:ser>
-          <c:idx val="0"/>
-          <c:order val="0"/>
-          <c:tx>
-            <c:strRef>
-              <c:f>Sheet1!$B$1</c:f>
-              <c:strCache>
-                <c:ptCount val="1"/>
-                <c:pt idx="0">
-                  <c:v>Sales</c:v>
-                </c:pt>
-              </c:strCache>
-            </c:strRef>
-          </c:tx>
-          <c:cat>
-            <c:strRef>
-              <c:f>Sheet1!$A$2:$A$4</c:f>
-              <c:strCache>
-                <c:ptCount val="3"/>
-                <c:pt idx="0">
-                  <c:v>Category A</c:v>
-                </c:pt>
-                <c:pt idx="1">
-                  <c:v>Category B</c:v>
-                </c:pt>
-                <c:pt idx="2">
-                  <c:v>Category C</c:v>
-                </c:pt>
-              </c:strCache>
-            </c:strRef>
-          </c:cat>
-          <c:val>
-            <c:numRef>
-              <c:f>Sheet1!$B$2:$B$4</c:f>
-              <c:numCache>
-                <c:formatCode>General</c:formatCode>
-                <c:ptCount val="3"/>
-                <c:pt idx="0">
-                  <c:v>50.0</c:v>
-                </c:pt>
-                <c:pt idx="1">
-                  <c:v>70.0</c:v>
-                </c:pt>
-                <c:pt idx="2">
-                  <c:v>90.0</c:v>
-                </c:pt>
-              </c:numCache>
-            </c:numRef>
-          </c:val>
-        </c:ser>
-        <c:dLbls>
-          <c:txPr>
-            <a:bodyPr/>
-            <a:lstStyle/>
-            <a:p>
-              <a:pPr>
-                <a:defRPr sz="600">
-                  <a:solidFill>
-                    <a:srgbClr val="000000"/>
-                  </a:solidFill>
-                </a:defRPr>
-              </a:pPr>
-            </a:p>
-          </c:txPr>
-          <c:dLblPos val="inEnd"/>
-          <c:showLegendKey val="0"/>
-          <c:showVal val="1"/>
-          <c:showCatName val="0"/>
-          <c:showSerName val="0"/>
-          <c:showPercent val="0"/>
-          <c:showBubbleSize val="0"/>
-          <c:showLeaderLines val="1"/>
-        </c:dLbls>
-        <c:axId val="-2068027336"/>
-        <c:axId val="-2113994440"/>
-      </c:barChart>
-      <c:catAx>
-        <c:axId val="-2068027336"/>
-        <c:scaling>
-          <c:orientation val="minMax"/>
-        </c:scaling>
-        <c:delete val="0"/>
-        <c:axPos val="b"/>
-        <c:majorTickMark val="out"/>
-        <c:minorTickMark val="none"/>
-        <c:tickLblPos val="nextTo"/>
-        <c:crossAx val="-2113994440"/>
-        <c:crosses val="autoZero"/>
-        <c:auto val="1"/>
-        <c:lblAlgn val="ctr"/>
-        <c:lblOffset val="100"/>
-        <c:noMultiLvlLbl val="0"/>
-      </c:catAx>
-      <c:valAx>
-        <c:axId val="-2113994440"/>
-        <c:scaling/>
-        <c:delete val="0"/>
-        <c:axPos val="l"/>
-        <c:majorGridlines/>
-        <c:majorTickMark val="out"/>
-        <c:minorTickMark val="none"/>
-        <c:tickLblPos val="nextTo"/>
-        <c:crossAx val="-2068027336"/>
-        <c:crosses val="autoZero"/>
-      </c:valAx>
-    </c:plotArea>
-    <c:legend>
-      <c:legendPos/>
-      <c:overlay val="0"/>
-    </c:legend>
-    <c:dispBlanksAs val="gap"/>
-  </c:chart>
-  <c:txPr>
-    <a:bodyPr/>
-    <a:lstStyle/>
-    <a:p>
-      <a:pPr>
-        <a:defRPr sz="1800"/>
-      </a:pPr>
-      <a:endParaRPr lang="en-US"/>
-    </a:p>
-  </c:txPr>
-  <c:externalData r:id="rId1">
-    <c:autoUpdate val="0"/>
-  </c:externalData>
-</c:chartSpace>
 </file>
 
 <file path=ppt/slideLayouts/slideLayout1.xml><?xml version="1.0" encoding="utf-8"?>
@@ -3240,33 +3103,82 @@
           <a:bodyPr/>
           <a:lstStyle/>
           <a:p>
+            <a:pPr algn="l">
+              <a:defRPr sz="4000" b="1"/>
+            </a:pPr>
+            <a:r>
+              <a:t>Sales Overview - Nov 2024</a:t>
+            </a:r>
+          </a:p>
+        </p:txBody>
+      </p:sp>
+      <p:sp>
+        <p:nvSpPr>
+          <p:cNvPr id="3" name="TextBox 2"/>
+          <p:cNvSpPr txBox="1"/>
+          <p:nvPr/>
+        </p:nvSpPr>
+        <p:spPr>
+          <a:xfrm>
+            <a:off x="914400" y="1828800"/>
+            <a:ext cx="9144000" cy="4572000"/>
+          </a:xfrm>
+          <a:prstGeom prst="rect">
+            <a:avLst/>
+          </a:prstGeom>
+          <a:noFill/>
+        </p:spPr>
+        <p:txBody>
+          <a:bodyPr wrap="square">
+            <a:spAutoFit/>
+          </a:bodyPr>
+          <a:lstStyle/>
+          <a:p>
             <a:pPr>
-              <a:defRPr sz="2400" b="1"/>
+              <a:spcAft>
+                <a:spcPts val="1200"/>
+              </a:spcAft>
+              <a:defRPr sz="2000"/>
             </a:pPr>
             <a:r>
-              <a:t>Sales Comparison</a:t>
-            </a:r>
-          </a:p>
-        </p:txBody>
-      </p:sp>
-      <p:graphicFrame>
-        <p:nvGraphicFramePr>
-          <p:cNvPr id="3" name="Chart 2"/>
-          <p:cNvGraphicFramePr>
-            <a:graphicFrameLocks noGrp="1"/>
-          </p:cNvGraphicFramePr>
-          <p:nvPr/>
-        </p:nvGraphicFramePr>
-        <p:xfrm>
-          <a:off x="1828800" y="1828800"/>
-          <a:ext cx="5486400" cy="4114800"/>
-        </p:xfrm>
-        <a:graphic>
-          <a:graphicData uri="http://schemas.openxmlformats.org/drawingml/2006/chart">
-            <c:chart xmlns:c="http://schemas.openxmlformats.org/drawingml/2006/chart" r:id="rId2"/>
-          </a:graphicData>
-        </a:graphic>
-      </p:graphicFrame>
+              <a:t>• Total Revenue: $100,000</a:t>
+            </a:r>
+          </a:p>
+          <a:p>
+            <a:pPr>
+              <a:spcAft>
+                <a:spcPts val="1200"/>
+              </a:spcAft>
+              <a:defRPr sz="2000"/>
+            </a:pPr>
+            <a:r>
+              <a:t>• Average Order Value: $500</a:t>
+            </a:r>
+          </a:p>
+          <a:p>
+            <a:pPr>
+              <a:spcAft>
+                <a:spcPts val="1200"/>
+              </a:spcAft>
+              <a:defRPr sz="2000"/>
+            </a:pPr>
+            <a:r>
+              <a:t>• Units Sold: 200</a:t>
+            </a:r>
+          </a:p>
+          <a:p>
+            <a:pPr>
+              <a:spcAft>
+                <a:spcPts val="1200"/>
+              </a:spcAft>
+              <a:defRPr sz="2000"/>
+            </a:pPr>
+            <a:r>
+              <a:t>• Top Performing Product: Product A</a:t>
+            </a:r>
+          </a:p>
+        </p:txBody>
+      </p:sp>
     </p:spTree>
   </p:cSld>
   <p:clrMapOvr>
